--- a/heisdesign.pptx
+++ b/heisdesign.pptx
@@ -7,8 +7,10 @@
   <p:sldIdLst>
     <p:sldId id="256" r:id="rId2"/>
     <p:sldId id="257" r:id="rId3"/>
-    <p:sldId id="258" r:id="rId4"/>
-    <p:sldId id="259" r:id="rId5"/>
+    <p:sldId id="260" r:id="rId4"/>
+    <p:sldId id="261" r:id="rId5"/>
+    <p:sldId id="258" r:id="rId6"/>
+    <p:sldId id="259" r:id="rId7"/>
   </p:sldIdLst>
   <p:sldSz cx="12192000" cy="6858000"/>
   <p:notesSz cx="6858000" cy="9144000"/>
@@ -107,6 +109,22 @@
       </a:defRPr>
     </a:lvl9pPr>
   </p:defaultTextStyle>
+  <p:extLst>
+    <p:ext uri="{EFAFB233-063F-42B5-8137-9DF3F51BA10A}">
+      <p15:sldGuideLst xmlns:p15="http://schemas.microsoft.com/office/powerpoint/2012/main">
+        <p15:guide id="1" orient="horz" pos="2160">
+          <p15:clr>
+            <a:srgbClr val="A4A3A4"/>
+          </p15:clr>
+        </p15:guide>
+        <p15:guide id="2" pos="3840">
+          <p15:clr>
+            <a:srgbClr val="A4A3A4"/>
+          </p15:clr>
+        </p15:guide>
+      </p15:sldGuideLst>
+    </p:ext>
+  </p:extLst>
 </p:presentation>
 </file>
 
@@ -241,7 +259,7 @@
           <a:p>
             <a:fld id="{20C78B87-CB00-044D-B709-71C322F07402}" type="datetimeFigureOut">
               <a:rPr lang="en-US" smtClean="0"/>
-              <a:t>1/29/17</a:t>
+              <a:t>1/30/17</a:t>
             </a:fld>
             <a:endParaRPr lang="en-US"/>
           </a:p>
@@ -411,7 +429,7 @@
           <a:p>
             <a:fld id="{20C78B87-CB00-044D-B709-71C322F07402}" type="datetimeFigureOut">
               <a:rPr lang="en-US" smtClean="0"/>
-              <a:t>1/29/17</a:t>
+              <a:t>1/30/17</a:t>
             </a:fld>
             <a:endParaRPr lang="en-US"/>
           </a:p>
@@ -591,7 +609,7 @@
           <a:p>
             <a:fld id="{20C78B87-CB00-044D-B709-71C322F07402}" type="datetimeFigureOut">
               <a:rPr lang="en-US" smtClean="0"/>
-              <a:t>1/29/17</a:t>
+              <a:t>1/30/17</a:t>
             </a:fld>
             <a:endParaRPr lang="en-US"/>
           </a:p>
@@ -761,7 +779,7 @@
           <a:p>
             <a:fld id="{20C78B87-CB00-044D-B709-71C322F07402}" type="datetimeFigureOut">
               <a:rPr lang="en-US" smtClean="0"/>
-              <a:t>1/29/17</a:t>
+              <a:t>1/30/17</a:t>
             </a:fld>
             <a:endParaRPr lang="en-US"/>
           </a:p>
@@ -1007,7 +1025,7 @@
           <a:p>
             <a:fld id="{20C78B87-CB00-044D-B709-71C322F07402}" type="datetimeFigureOut">
               <a:rPr lang="en-US" smtClean="0"/>
-              <a:t>1/29/17</a:t>
+              <a:t>1/30/17</a:t>
             </a:fld>
             <a:endParaRPr lang="en-US"/>
           </a:p>
@@ -1239,7 +1257,7 @@
           <a:p>
             <a:fld id="{20C78B87-CB00-044D-B709-71C322F07402}" type="datetimeFigureOut">
               <a:rPr lang="en-US" smtClean="0"/>
-              <a:t>1/29/17</a:t>
+              <a:t>1/30/17</a:t>
             </a:fld>
             <a:endParaRPr lang="en-US"/>
           </a:p>
@@ -1606,7 +1624,7 @@
           <a:p>
             <a:fld id="{20C78B87-CB00-044D-B709-71C322F07402}" type="datetimeFigureOut">
               <a:rPr lang="en-US" smtClean="0"/>
-              <a:t>1/29/17</a:t>
+              <a:t>1/30/17</a:t>
             </a:fld>
             <a:endParaRPr lang="en-US"/>
           </a:p>
@@ -1724,7 +1742,7 @@
           <a:p>
             <a:fld id="{20C78B87-CB00-044D-B709-71C322F07402}" type="datetimeFigureOut">
               <a:rPr lang="en-US" smtClean="0"/>
-              <a:t>1/29/17</a:t>
+              <a:t>1/30/17</a:t>
             </a:fld>
             <a:endParaRPr lang="en-US"/>
           </a:p>
@@ -1819,7 +1837,7 @@
           <a:p>
             <a:fld id="{20C78B87-CB00-044D-B709-71C322F07402}" type="datetimeFigureOut">
               <a:rPr lang="en-US" smtClean="0"/>
-              <a:t>1/29/17</a:t>
+              <a:t>1/30/17</a:t>
             </a:fld>
             <a:endParaRPr lang="en-US"/>
           </a:p>
@@ -2096,7 +2114,7 @@
           <a:p>
             <a:fld id="{20C78B87-CB00-044D-B709-71C322F07402}" type="datetimeFigureOut">
               <a:rPr lang="en-US" smtClean="0"/>
-              <a:t>1/29/17</a:t>
+              <a:t>1/30/17</a:t>
             </a:fld>
             <a:endParaRPr lang="en-US"/>
           </a:p>
@@ -2349,7 +2367,7 @@
           <a:p>
             <a:fld id="{20C78B87-CB00-044D-B709-71C322F07402}" type="datetimeFigureOut">
               <a:rPr lang="en-US" smtClean="0"/>
-              <a:t>1/29/17</a:t>
+              <a:t>1/30/17</a:t>
             </a:fld>
             <a:endParaRPr lang="en-US"/>
           </a:p>
@@ -2562,7 +2580,7 @@
           <a:p>
             <a:fld id="{20C78B87-CB00-044D-B709-71C322F07402}" type="datetimeFigureOut">
               <a:rPr lang="en-US" smtClean="0"/>
-              <a:t>1/29/17</a:t>
+              <a:t>1/30/17</a:t>
             </a:fld>
             <a:endParaRPr lang="en-US"/>
           </a:p>
@@ -3105,9 +3123,16 @@
             <p:ph idx="1"/>
           </p:nvPr>
         </p:nvSpPr>
-        <p:spPr/>
-        <p:txBody>
-          <a:bodyPr/>
+        <p:spPr>
+          <a:xfrm>
+            <a:off x="838200" y="1825625"/>
+            <a:ext cx="10515600" cy="4811658"/>
+          </a:xfrm>
+        </p:spPr>
+        <p:txBody>
+          <a:bodyPr>
+            <a:normAutofit fontScale="92500" lnSpcReduction="20000"/>
+          </a:bodyPr>
           <a:lstStyle/>
           <a:p>
             <a:r>
@@ -3118,43 +3143,137 @@
           <a:p>
             <a:r>
               <a:rPr lang="nb-NO" dirty="0" smtClean="0"/>
-              <a:t>Alle heiser utfører samme beregning (lik kostfunksjon).</a:t>
+              <a:t>Alle heiser utfører samme beregning (kostfunksjon).</a:t>
             </a:r>
           </a:p>
           <a:p>
             <a:r>
               <a:rPr lang="nb-NO" dirty="0" smtClean="0"/>
-              <a:t>Alle heiser deler sin ordreliste med alle, og lagrer </a:t>
+              <a:t>Alle heiser deler sin ordreliste (med tilhørende kost) med alle. </a:t>
+            </a:r>
+          </a:p>
+          <a:p>
+            <a:pPr lvl="1"/>
+            <a:r>
+              <a:rPr lang="nb-NO" dirty="0" smtClean="0"/>
+              <a:t>UDP </a:t>
             </a:r>
             <a:r>
               <a:rPr lang="nb-NO" dirty="0" err="1" smtClean="0"/>
-              <a:t>backups</a:t>
+              <a:t>broadcast</a:t>
             </a:r>
             <a:r>
               <a:rPr lang="nb-NO" dirty="0" smtClean="0"/>
-              <a:t>. </a:t>
-            </a:r>
+              <a:t>/</a:t>
+            </a:r>
+            <a:r>
+              <a:rPr lang="nb-NO" dirty="0" err="1" smtClean="0"/>
+              <a:t>multicast</a:t>
+            </a:r>
+            <a:endParaRPr lang="nb-NO" dirty="0" smtClean="0"/>
           </a:p>
           <a:p>
             <a:pPr lvl="1"/>
             <a:r>
+              <a:rPr lang="nb-NO" dirty="0" err="1" smtClean="0"/>
+              <a:t>Heartbeat</a:t>
+            </a:r>
+            <a:endParaRPr lang="nb-NO" dirty="0" smtClean="0"/>
+          </a:p>
+          <a:p>
+            <a:r>
               <a:rPr lang="nb-NO" dirty="0" smtClean="0"/>
-              <a:t>Dersom en heis ikke sier noe på XXX sekunder, vil en annen heis legge til ordrene i sin egen liste. Den ikke </a:t>
+              <a:t>Hver heis sammenligner sin kost med de andre heisene sin kost (for hvert ordre)</a:t>
+            </a:r>
+          </a:p>
+          <a:p>
+            <a:pPr lvl="1"/>
+            <a:r>
+              <a:rPr lang="nb-NO" dirty="0"/>
+              <a:t>Dersom heisen har lavere kost -&gt; legge til ordre i egen </a:t>
+            </a:r>
+            <a:r>
+              <a:rPr lang="nb-NO" dirty="0" smtClean="0"/>
+              <a:t>ordreliste</a:t>
+            </a:r>
+            <a:endParaRPr lang="nb-NO" dirty="0"/>
+          </a:p>
+          <a:p>
+            <a:pPr lvl="1"/>
+            <a:r>
+              <a:rPr lang="nb-NO" dirty="0"/>
+              <a:t>Dersom </a:t>
+            </a:r>
+            <a:r>
+              <a:rPr lang="nb-NO" dirty="0" smtClean="0"/>
+              <a:t>høyere </a:t>
+            </a:r>
+            <a:r>
+              <a:rPr lang="nb-NO" dirty="0"/>
+              <a:t>kost -&gt; slette fra sin </a:t>
+            </a:r>
+            <a:r>
+              <a:rPr lang="nb-NO" dirty="0" smtClean="0"/>
+              <a:t>ordreliste</a:t>
+            </a:r>
+          </a:p>
+          <a:p>
+            <a:pPr lvl="1"/>
+            <a:r>
+              <a:rPr lang="nb-NO" dirty="0" smtClean="0"/>
+              <a:t>Unik kost tildelt hver heis avgjør når kostfunksjonen blir lik hos flere heiser</a:t>
+            </a:r>
+          </a:p>
+          <a:p>
+            <a:r>
+              <a:rPr lang="nb-NO" dirty="0"/>
+              <a:t>E</a:t>
+            </a:r>
+            <a:r>
+              <a:rPr lang="nb-NO" dirty="0" smtClean="0"/>
+              <a:t>n tråd </a:t>
+            </a:r>
+            <a:r>
+              <a:rPr lang="nb-NO" dirty="0" smtClean="0"/>
+              <a:t>for å sende og en for å </a:t>
+            </a:r>
+            <a:r>
+              <a:rPr lang="nb-NO" dirty="0" smtClean="0"/>
+              <a:t>motta</a:t>
+            </a:r>
+          </a:p>
+          <a:p>
+            <a:r>
+              <a:rPr lang="nb-NO" dirty="0" smtClean="0"/>
+              <a:t>Tråder mellom moduler</a:t>
+            </a:r>
+          </a:p>
+          <a:p>
+            <a:r>
+              <a:rPr lang="nb-NO" dirty="0" smtClean="0"/>
+              <a:t>Bruker </a:t>
             </a:r>
             <a:r>
               <a:rPr lang="nb-NO" dirty="0" err="1" smtClean="0"/>
-              <a:t>responsive</a:t>
+              <a:t>go</a:t>
             </a:r>
             <a:r>
               <a:rPr lang="nb-NO" dirty="0" smtClean="0"/>
-              <a:t> heisen sendes ned til første etasje (dersom mulig) og vil forbli ute av drift. </a:t>
-            </a:r>
-          </a:p>
-          <a:p>
+              <a:t> </a:t>
+            </a:r>
+            <a:r>
+              <a:rPr lang="nb-NO" dirty="0" err="1" smtClean="0"/>
+              <a:t>channels</a:t>
+            </a:r>
             <a:r>
               <a:rPr lang="nb-NO" dirty="0" smtClean="0"/>
-              <a:t>Hver heis bruker egne tråder for å motta ordreliste fra hver heis, samt en egen tråd for å distribuere egen ordreliste.</a:t>
-            </a:r>
+              <a:t> for </a:t>
+            </a:r>
+            <a:r>
+              <a:rPr lang="nb-NO" dirty="0" err="1" smtClean="0"/>
+              <a:t>threading</a:t>
+            </a:r>
+            <a:endParaRPr lang="nb-NO" dirty="0" smtClean="0"/>
           </a:p>
           <a:p>
             <a:pPr marL="0" indent="0">
@@ -3222,13 +3341,313 @@
           <a:bodyPr/>
           <a:lstStyle/>
           <a:p>
-            <a:endParaRPr lang="en-US"/>
-          </a:p>
-        </p:txBody>
-      </p:sp>
+            <a:r>
+              <a:rPr lang="nb-NO" dirty="0" err="1" smtClean="0"/>
+              <a:t>Fault</a:t>
+            </a:r>
+            <a:r>
+              <a:rPr lang="nb-NO" dirty="0" smtClean="0"/>
+              <a:t> </a:t>
+            </a:r>
+            <a:r>
+              <a:rPr lang="nb-NO" dirty="0" err="1" smtClean="0"/>
+              <a:t>tolerance</a:t>
+            </a:r>
+            <a:endParaRPr lang="nb-NO" dirty="0"/>
+          </a:p>
+        </p:txBody>
+      </p:sp>
+      <p:sp>
+        <p:nvSpPr>
+          <p:cNvPr id="3" name="Content Placeholder 2"/>
+          <p:cNvSpPr>
+            <a:spLocks noGrp="1"/>
+          </p:cNvSpPr>
+          <p:nvPr>
+            <p:ph idx="1"/>
+          </p:nvPr>
+        </p:nvSpPr>
+        <p:spPr/>
+        <p:txBody>
+          <a:bodyPr/>
+          <a:lstStyle/>
+          <a:p>
+            <a:r>
+              <a:rPr lang="nb-NO" dirty="0" smtClean="0"/>
+              <a:t>Hver heis lagrer sin egen ordreliste til fil.</a:t>
+            </a:r>
+          </a:p>
+          <a:p>
+            <a:pPr lvl="1"/>
+            <a:r>
+              <a:rPr lang="nb-NO" dirty="0" smtClean="0"/>
+              <a:t>Ingen heiser mister sine ordre dersom systemet </a:t>
+            </a:r>
+            <a:r>
+              <a:rPr lang="nb-NO" dirty="0" err="1" smtClean="0"/>
+              <a:t>rebootes</a:t>
+            </a:r>
+            <a:r>
+              <a:rPr lang="nb-NO" dirty="0" smtClean="0"/>
+              <a:t>.</a:t>
+            </a:r>
+          </a:p>
+          <a:p>
+            <a:r>
+              <a:rPr lang="nb-NO" dirty="0" smtClean="0"/>
+              <a:t>Hver heis lagrer ordrelistene til de andre heisene (nyeste kopi).</a:t>
+            </a:r>
+          </a:p>
+          <a:p>
+            <a:pPr lvl="1"/>
+            <a:r>
+              <a:rPr lang="nb-NO" dirty="0" smtClean="0"/>
+              <a:t>Dersom </a:t>
+            </a:r>
+            <a:r>
+              <a:rPr lang="nb-NO" dirty="0" err="1" smtClean="0"/>
+              <a:t>X</a:t>
+            </a:r>
+            <a:r>
+              <a:rPr lang="nb-NO" dirty="0" smtClean="0"/>
+              <a:t> antall </a:t>
+            </a:r>
+            <a:r>
+              <a:rPr lang="nb-NO" dirty="0" err="1" smtClean="0"/>
+              <a:t>heartbeats</a:t>
+            </a:r>
+            <a:r>
+              <a:rPr lang="nb-NO" dirty="0" smtClean="0"/>
+              <a:t> uteblir fra en heis, antar de andre heisene at den er dø og kopierer dens ordre i sine egne ordrelister.</a:t>
+            </a:r>
+            <a:endParaRPr lang="nb-NO" dirty="0"/>
+          </a:p>
+        </p:txBody>
+      </p:sp>
+    </p:spTree>
+    <p:extLst>
+      <p:ext uri="{BB962C8B-B14F-4D97-AF65-F5344CB8AC3E}">
+        <p14:creationId xmlns:p14="http://schemas.microsoft.com/office/powerpoint/2010/main" val="3717250020"/>
+      </p:ext>
+    </p:extLst>
+  </p:cSld>
+  <p:clrMapOvr>
+    <a:masterClrMapping/>
+  </p:clrMapOvr>
+  <p:timing>
+    <p:tnLst>
+      <p:par>
+        <p:cTn id="1" dur="indefinite" restart="never" nodeType="tmRoot"/>
+      </p:par>
+    </p:tnLst>
+  </p:timing>
+</p:sld>
+</file>
+
+<file path=ppt/slides/slide4.xml><?xml version="1.0" encoding="utf-8"?>
+<p:sld xmlns:a="http://schemas.openxmlformats.org/drawingml/2006/main" xmlns:r="http://schemas.openxmlformats.org/officeDocument/2006/relationships" xmlns:p="http://schemas.openxmlformats.org/presentationml/2006/main">
+  <p:cSld>
+    <p:spTree>
+      <p:nvGrpSpPr>
+        <p:cNvPr id="1" name=""/>
+        <p:cNvGrpSpPr/>
+        <p:nvPr/>
+      </p:nvGrpSpPr>
+      <p:grpSpPr>
+        <a:xfrm>
+          <a:off x="0" y="0"/>
+          <a:ext cx="0" cy="0"/>
+          <a:chOff x="0" y="0"/>
+          <a:chExt cx="0" cy="0"/>
+        </a:xfrm>
+      </p:grpSpPr>
+      <p:sp>
+        <p:nvSpPr>
+          <p:cNvPr id="2" name="Title 1"/>
+          <p:cNvSpPr>
+            <a:spLocks noGrp="1"/>
+          </p:cNvSpPr>
+          <p:nvPr>
+            <p:ph type="title"/>
+          </p:nvPr>
+        </p:nvSpPr>
+        <p:spPr/>
+        <p:txBody>
+          <a:bodyPr/>
+          <a:lstStyle/>
+          <a:p>
+            <a:r>
+              <a:rPr lang="nb-NO" dirty="0" smtClean="0"/>
+              <a:t>Ytterligere forklaringer</a:t>
+            </a:r>
+            <a:endParaRPr lang="nb-NO" dirty="0"/>
+          </a:p>
+        </p:txBody>
+      </p:sp>
+      <p:sp>
+        <p:nvSpPr>
+          <p:cNvPr id="3" name="Content Placeholder 2"/>
+          <p:cNvSpPr>
+            <a:spLocks noGrp="1"/>
+          </p:cNvSpPr>
+          <p:nvPr>
+            <p:ph idx="1"/>
+          </p:nvPr>
+        </p:nvSpPr>
+        <p:spPr/>
+        <p:txBody>
+          <a:bodyPr>
+            <a:normAutofit fontScale="92500" lnSpcReduction="20000"/>
+          </a:bodyPr>
+          <a:lstStyle/>
+          <a:p>
+            <a:r>
+              <a:rPr lang="nb-NO" dirty="0" smtClean="0"/>
+              <a:t>Når en heis mottar en ordre (fra knapp):</a:t>
+            </a:r>
+          </a:p>
+          <a:p>
+            <a:pPr lvl="1"/>
+            <a:r>
+              <a:rPr lang="nb-NO" dirty="0" smtClean="0"/>
+              <a:t>Legger til i sin egen ordreliste med tilhørende kost</a:t>
+            </a:r>
+          </a:p>
+          <a:p>
+            <a:r>
+              <a:rPr lang="nb-NO" dirty="0" smtClean="0"/>
+              <a:t>Når en heis mottar en ordreliste (fra en annen heis):</a:t>
+            </a:r>
+          </a:p>
+          <a:p>
+            <a:pPr marL="914400" lvl="1" indent="-457200">
+              <a:buFont typeface="+mj-lt"/>
+              <a:buAutoNum type="arabicPeriod"/>
+            </a:pPr>
+            <a:r>
+              <a:rPr lang="nb-NO" dirty="0" smtClean="0"/>
+              <a:t>Lagre ordrelisten.</a:t>
+            </a:r>
+          </a:p>
+          <a:p>
+            <a:pPr marL="914400" lvl="1" indent="-457200">
+              <a:buFont typeface="+mj-lt"/>
+              <a:buAutoNum type="arabicPeriod"/>
+            </a:pPr>
+            <a:r>
+              <a:rPr lang="nb-NO" dirty="0" smtClean="0"/>
+              <a:t>Sammenlign om noen av de mottatte ordrene er lik heisens egne ordre.</a:t>
+            </a:r>
+          </a:p>
+          <a:p>
+            <a:pPr lvl="2"/>
+            <a:r>
+              <a:rPr lang="nb-NO" dirty="0" smtClean="0"/>
+              <a:t>Sammenligne kost på like ordre. </a:t>
+            </a:r>
+          </a:p>
+          <a:p>
+            <a:pPr lvl="2"/>
+            <a:r>
+              <a:rPr lang="nb-NO" dirty="0" smtClean="0"/>
+              <a:t>Dersom egen kost høyere -&gt; slette fra egen ordreliste.</a:t>
+            </a:r>
+          </a:p>
+          <a:p>
+            <a:pPr marL="914400" lvl="1" indent="-457200">
+              <a:buFont typeface="+mj-lt"/>
+              <a:buAutoNum type="arabicPeriod"/>
+            </a:pPr>
+            <a:r>
+              <a:rPr lang="nb-NO" dirty="0" smtClean="0"/>
+              <a:t>Beregne kostfunksjonen for de resterende ordrene.</a:t>
+            </a:r>
+          </a:p>
+          <a:p>
+            <a:pPr lvl="2"/>
+            <a:r>
+              <a:rPr lang="nb-NO" dirty="0" smtClean="0"/>
+              <a:t>Sammenligne beregnet kost med mottatt kost.</a:t>
+            </a:r>
+          </a:p>
+          <a:p>
+            <a:pPr lvl="2"/>
+            <a:r>
+              <a:rPr lang="nb-NO" dirty="0" smtClean="0"/>
+              <a:t>Dersom egen kost lavere -&gt; legge til egen ordreliste.</a:t>
+            </a:r>
+            <a:endParaRPr lang="nb-NO" dirty="0"/>
+          </a:p>
+          <a:p>
+            <a:r>
+              <a:rPr lang="nb-NO" dirty="0" smtClean="0"/>
+              <a:t>Hver heis </a:t>
+            </a:r>
+            <a:r>
+              <a:rPr lang="nb-NO" dirty="0" err="1" smtClean="0"/>
+              <a:t>broadcaster</a:t>
+            </a:r>
+            <a:r>
+              <a:rPr lang="nb-NO" dirty="0" smtClean="0"/>
+              <a:t> sin ordreliste </a:t>
+            </a:r>
+            <a:r>
+              <a:rPr lang="nb-NO" dirty="0" err="1" smtClean="0"/>
+              <a:t>X</a:t>
+            </a:r>
+            <a:r>
+              <a:rPr lang="nb-NO" dirty="0" smtClean="0"/>
+              <a:t> antall ganger i sekundet.</a:t>
+            </a:r>
+          </a:p>
+          <a:p>
+            <a:r>
+              <a:rPr lang="nb-NO" dirty="0" smtClean="0"/>
+              <a:t>Hver heis lytter etter ordrelister fra andre heiser og behandler disse når de mottas.</a:t>
+            </a:r>
+          </a:p>
+        </p:txBody>
+      </p:sp>
+    </p:spTree>
+    <p:extLst>
+      <p:ext uri="{BB962C8B-B14F-4D97-AF65-F5344CB8AC3E}">
+        <p14:creationId xmlns:p14="http://schemas.microsoft.com/office/powerpoint/2010/main" val="1247667986"/>
+      </p:ext>
+    </p:extLst>
+  </p:cSld>
+  <p:clrMapOvr>
+    <a:masterClrMapping/>
+  </p:clrMapOvr>
+  <p:timing>
+    <p:tnLst>
+      <p:par>
+        <p:cTn id="1" dur="indefinite" restart="never" nodeType="tmRoot"/>
+      </p:par>
+    </p:tnLst>
+  </p:timing>
+</p:sld>
+</file>
+
+<file path=ppt/slides/slide5.xml><?xml version="1.0" encoding="utf-8"?>
+<p:sld xmlns:a="http://schemas.openxmlformats.org/drawingml/2006/main" xmlns:r="http://schemas.openxmlformats.org/officeDocument/2006/relationships" xmlns:p="http://schemas.openxmlformats.org/presentationml/2006/main">
+  <p:cSld>
+    <p:spTree>
+      <p:nvGrpSpPr>
+        <p:cNvPr id="1" name=""/>
+        <p:cNvGrpSpPr/>
+        <p:nvPr/>
+      </p:nvGrpSpPr>
+      <p:grpSpPr>
+        <a:xfrm>
+          <a:off x="0" y="0"/>
+          <a:ext cx="0" cy="0"/>
+          <a:chOff x="0" y="0"/>
+          <a:chExt cx="0" cy="0"/>
+        </a:xfrm>
+      </p:grpSpPr>
       <p:pic>
         <p:nvPicPr>
-          <p:cNvPr id="4" name="Content Placeholder 3"/>
+          <p:cNvPr id="5" name="Content Placeholder 4"/>
           <p:cNvPicPr>
             <a:picLocks noGrp="1" noChangeAspect="1"/>
           </p:cNvPicPr>
@@ -3250,11 +3669,43 @@
         </p:blipFill>
         <p:spPr>
           <a:xfrm>
-            <a:off x="974915" y="388779"/>
-            <a:ext cx="9997885" cy="12938442"/>
+            <a:off x="1296714" y="647158"/>
+            <a:ext cx="9598572" cy="12421683"/>
           </a:xfrm>
         </p:spPr>
       </p:pic>
+      <p:sp>
+        <p:nvSpPr>
+          <p:cNvPr id="2" name="Title 1"/>
+          <p:cNvSpPr>
+            <a:spLocks noGrp="1"/>
+          </p:cNvSpPr>
+          <p:nvPr>
+            <p:ph type="title"/>
+          </p:nvPr>
+        </p:nvSpPr>
+        <p:spPr>
+          <a:xfrm>
+            <a:off x="379686" y="0"/>
+            <a:ext cx="10515600" cy="1325563"/>
+          </a:xfrm>
+        </p:spPr>
+        <p:txBody>
+          <a:bodyPr/>
+          <a:lstStyle/>
+          <a:p>
+            <a:r>
+              <a:rPr lang="en-US" dirty="0" err="1"/>
+              <a:t>K</a:t>
+            </a:r>
+            <a:r>
+              <a:rPr lang="en-US" dirty="0" err="1" smtClean="0"/>
+              <a:t>lassediagram</a:t>
+            </a:r>
+            <a:endParaRPr lang="en-US" dirty="0"/>
+          </a:p>
+        </p:txBody>
+      </p:sp>
     </p:spTree>
     <p:extLst>
       <p:ext uri="{BB962C8B-B14F-4D97-AF65-F5344CB8AC3E}">
@@ -3275,7 +3726,7 @@
 </p:sld>
 </file>
 
-<file path=ppt/slides/slide4.xml><?xml version="1.0" encoding="utf-8"?>
+<file path=ppt/slides/slide6.xml><?xml version="1.0" encoding="utf-8"?>
 <p:sld xmlns:a="http://schemas.openxmlformats.org/drawingml/2006/main" xmlns:r="http://schemas.openxmlformats.org/officeDocument/2006/relationships" xmlns:p="http://schemas.openxmlformats.org/presentationml/2006/main">
   <p:cSld>
     <p:spTree>
